--- a/Bluetooth_music_box/Verdediging.pptx
+++ b/Bluetooth_music_box/Verdediging.pptx
@@ -318,7 +318,7 @@
             <a:fld id="{B61BEF0D-F0BB-DE4B-95CE-6DB70DBA9567}" type="datetimeFigureOut">
               <a:rPr lang="en-US" dirty="0"/>
               <a:pPr/>
-              <a:t>5/18/2021</a:t>
+              <a:t>5/23/2021</a:t>
             </a:fld>
             <a:endParaRPr lang="en-US" dirty="0"/>
           </a:p>
@@ -751,7 +751,7 @@
             <a:fld id="{B61BEF0D-F0BB-DE4B-95CE-6DB70DBA9567}" type="datetimeFigureOut">
               <a:rPr lang="en-US" dirty="0"/>
               <a:pPr/>
-              <a:t>5/18/2021</a:t>
+              <a:t>5/23/2021</a:t>
             </a:fld>
             <a:endParaRPr lang="en-US" dirty="0"/>
           </a:p>
@@ -998,7 +998,7 @@
             <a:fld id="{B61BEF0D-F0BB-DE4B-95CE-6DB70DBA9567}" type="datetimeFigureOut">
               <a:rPr lang="en-US" dirty="0"/>
               <a:pPr/>
-              <a:t>5/18/2021</a:t>
+              <a:t>5/23/2021</a:t>
             </a:fld>
             <a:endParaRPr lang="en-US" dirty="0"/>
           </a:p>
@@ -1303,7 +1303,7 @@
             <a:fld id="{B61BEF0D-F0BB-DE4B-95CE-6DB70DBA9567}" type="datetimeFigureOut">
               <a:rPr lang="en-US" dirty="0"/>
               <a:pPr/>
-              <a:t>5/18/2021</a:t>
+              <a:t>5/23/2021</a:t>
             </a:fld>
             <a:endParaRPr lang="en-US" dirty="0"/>
           </a:p>
@@ -1618,7 +1618,7 @@
             <a:fld id="{B61BEF0D-F0BB-DE4B-95CE-6DB70DBA9567}" type="datetimeFigureOut">
               <a:rPr lang="en-US" dirty="0"/>
               <a:pPr/>
-              <a:t>5/18/2021</a:t>
+              <a:t>5/23/2021</a:t>
             </a:fld>
             <a:endParaRPr lang="en-US" dirty="0"/>
           </a:p>
@@ -1917,7 +1917,7 @@
             <a:fld id="{B61BEF0D-F0BB-DE4B-95CE-6DB70DBA9567}" type="datetimeFigureOut">
               <a:rPr lang="en-US" dirty="0"/>
               <a:pPr/>
-              <a:t>5/18/2021</a:t>
+              <a:t>5/23/2021</a:t>
             </a:fld>
             <a:endParaRPr lang="en-US" dirty="0"/>
           </a:p>
@@ -2281,7 +2281,7 @@
             <a:fld id="{B61BEF0D-F0BB-DE4B-95CE-6DB70DBA9567}" type="datetimeFigureOut">
               <a:rPr lang="en-US" dirty="0"/>
               <a:pPr/>
-              <a:t>5/18/2021</a:t>
+              <a:t>5/23/2021</a:t>
             </a:fld>
             <a:endParaRPr lang="en-US" dirty="0"/>
           </a:p>
@@ -2452,7 +2452,7 @@
             <a:fld id="{B61BEF0D-F0BB-DE4B-95CE-6DB70DBA9567}" type="datetimeFigureOut">
               <a:rPr lang="en-US" dirty="0"/>
               <a:pPr/>
-              <a:t>5/18/2021</a:t>
+              <a:t>5/23/2021</a:t>
             </a:fld>
             <a:endParaRPr lang="en-US" dirty="0"/>
           </a:p>
@@ -2629,7 +2629,7 @@
             <a:fld id="{B61BEF0D-F0BB-DE4B-95CE-6DB70DBA9567}" type="datetimeFigureOut">
               <a:rPr lang="en-US" dirty="0"/>
               <a:pPr/>
-              <a:t>5/18/2021</a:t>
+              <a:t>5/23/2021</a:t>
             </a:fld>
             <a:endParaRPr lang="en-US" dirty="0"/>
           </a:p>
@@ -2796,7 +2796,7 @@
             <a:fld id="{B61BEF0D-F0BB-DE4B-95CE-6DB70DBA9567}" type="datetimeFigureOut">
               <a:rPr lang="en-US" dirty="0"/>
               <a:pPr/>
-              <a:t>5/18/2021</a:t>
+              <a:t>5/23/2021</a:t>
             </a:fld>
             <a:endParaRPr lang="en-US" dirty="0"/>
           </a:p>
@@ -3043,7 +3043,7 @@
             <a:fld id="{B61BEF0D-F0BB-DE4B-95CE-6DB70DBA9567}" type="datetimeFigureOut">
               <a:rPr lang="en-US" dirty="0"/>
               <a:pPr/>
-              <a:t>5/18/2021</a:t>
+              <a:t>5/23/2021</a:t>
             </a:fld>
             <a:endParaRPr lang="en-US" dirty="0"/>
           </a:p>
@@ -3276,7 +3276,7 @@
             <a:fld id="{B61BEF0D-F0BB-DE4B-95CE-6DB70DBA9567}" type="datetimeFigureOut">
               <a:rPr lang="en-US" dirty="0"/>
               <a:pPr/>
-              <a:t>5/18/2021</a:t>
+              <a:t>5/23/2021</a:t>
             </a:fld>
             <a:endParaRPr lang="en-US" dirty="0"/>
           </a:p>
@@ -3655,7 +3655,7 @@
             <a:fld id="{B61BEF0D-F0BB-DE4B-95CE-6DB70DBA9567}" type="datetimeFigureOut">
               <a:rPr lang="en-US" dirty="0"/>
               <a:pPr/>
-              <a:t>5/18/2021</a:t>
+              <a:t>5/23/2021</a:t>
             </a:fld>
             <a:endParaRPr lang="en-US" dirty="0"/>
           </a:p>
@@ -3770,7 +3770,7 @@
             <a:fld id="{B61BEF0D-F0BB-DE4B-95CE-6DB70DBA9567}" type="datetimeFigureOut">
               <a:rPr lang="en-US" dirty="0"/>
               <a:pPr/>
-              <a:t>5/18/2021</a:t>
+              <a:t>5/23/2021</a:t>
             </a:fld>
             <a:endParaRPr lang="en-US" dirty="0"/>
           </a:p>
@@ -3862,7 +3862,7 @@
             <a:fld id="{B61BEF0D-F0BB-DE4B-95CE-6DB70DBA9567}" type="datetimeFigureOut">
               <a:rPr lang="en-US" dirty="0"/>
               <a:pPr/>
-              <a:t>5/18/2021</a:t>
+              <a:t>5/23/2021</a:t>
             </a:fld>
             <a:endParaRPr lang="en-US" dirty="0"/>
           </a:p>
@@ -4114,7 +4114,7 @@
             <a:fld id="{B61BEF0D-F0BB-DE4B-95CE-6DB70DBA9567}" type="datetimeFigureOut">
               <a:rPr lang="en-US" dirty="0"/>
               <a:pPr/>
-              <a:t>5/18/2021</a:t>
+              <a:t>5/23/2021</a:t>
             </a:fld>
             <a:endParaRPr lang="en-US" dirty="0"/>
           </a:p>
@@ -4394,7 +4394,7 @@
             <a:fld id="{B61BEF0D-F0BB-DE4B-95CE-6DB70DBA9567}" type="datetimeFigureOut">
               <a:rPr lang="en-US" dirty="0"/>
               <a:pPr/>
-              <a:t>5/18/2021</a:t>
+              <a:t>5/23/2021</a:t>
             </a:fld>
             <a:endParaRPr lang="en-US" dirty="0"/>
           </a:p>
@@ -4797,7 +4797,7 @@
             <a:fld id="{B61BEF0D-F0BB-DE4B-95CE-6DB70DBA9567}" type="datetimeFigureOut">
               <a:rPr lang="en-US" dirty="0"/>
               <a:pPr/>
-              <a:t>5/18/2021</a:t>
+              <a:t>5/23/2021</a:t>
             </a:fld>
             <a:endParaRPr lang="en-US" dirty="0"/>
           </a:p>
@@ -5421,11 +5421,7 @@
             </a:br>
             <a:r>
               <a:rPr lang="nl-BE" dirty="0" smtClean="0"/>
-              <a:t>2EH1: </a:t>
-            </a:r>
-            <a:r>
-              <a:rPr lang="nl-BE" dirty="0" smtClean="0"/>
-              <a:t>Robbe </a:t>
+              <a:t>2EH1: Robbe </a:t>
             </a:r>
             <a:r>
               <a:rPr lang="nl-BE" dirty="0"/>
@@ -5444,6 +5440,13 @@
   <p:clrMapOvr>
     <a:masterClrMapping/>
   </p:clrMapOvr>
+  <p:timing>
+    <p:tnLst>
+      <p:par>
+        <p:cTn id="1" dur="indefinite" restart="never" nodeType="tmRoot"/>
+      </p:par>
+    </p:tnLst>
+  </p:timing>
 </p:sld>
 </file>
 
@@ -5888,6 +5891,13 @@
   <p:clrMapOvr>
     <a:masterClrMapping/>
   </p:clrMapOvr>
+  <p:timing>
+    <p:tnLst>
+      <p:par>
+        <p:cTn id="1" dur="indefinite" restart="never" nodeType="tmRoot"/>
+      </p:par>
+    </p:tnLst>
+  </p:timing>
 </p:sld>
 </file>
 
@@ -6402,6 +6412,13 @@
   <p:clrMapOvr>
     <a:masterClrMapping/>
   </p:clrMapOvr>
+  <p:timing>
+    <p:tnLst>
+      <p:par>
+        <p:cTn id="1" dur="indefinite" restart="never" nodeType="tmRoot"/>
+      </p:par>
+    </p:tnLst>
+  </p:timing>
 </p:sld>
 </file>
 
@@ -6870,6 +6887,13 @@
   <p:clrMapOvr>
     <a:masterClrMapping/>
   </p:clrMapOvr>
+  <p:timing>
+    <p:tnLst>
+      <p:par>
+        <p:cTn id="1" dur="indefinite" restart="never" nodeType="tmRoot"/>
+      </p:par>
+    </p:tnLst>
+  </p:timing>
 </p:sld>
 </file>
 
@@ -7409,6 +7433,13 @@
   <p:clrMapOvr>
     <a:masterClrMapping/>
   </p:clrMapOvr>
+  <p:timing>
+    <p:tnLst>
+      <p:par>
+        <p:cTn id="1" dur="indefinite" restart="never" nodeType="tmRoot"/>
+      </p:par>
+    </p:tnLst>
+  </p:timing>
 </p:sld>
 </file>
 
@@ -7858,6 +7889,13 @@
   <p:clrMapOvr>
     <a:masterClrMapping/>
   </p:clrMapOvr>
+  <p:timing>
+    <p:tnLst>
+      <p:par>
+        <p:cTn id="1" dur="indefinite" restart="never" nodeType="tmRoot"/>
+      </p:par>
+    </p:tnLst>
+  </p:timing>
 </p:sld>
 </file>
 
@@ -8278,6 +8316,13 @@
   <p:clrMapOvr>
     <a:masterClrMapping/>
   </p:clrMapOvr>
+  <p:timing>
+    <p:tnLst>
+      <p:par>
+        <p:cTn id="1" dur="indefinite" restart="never" nodeType="tmRoot"/>
+      </p:par>
+    </p:tnLst>
+  </p:timing>
 </p:sld>
 </file>
 
@@ -8416,6 +8461,13 @@
   <p:clrMapOvr>
     <a:masterClrMapping/>
   </p:clrMapOvr>
+  <p:timing>
+    <p:tnLst>
+      <p:par>
+        <p:cTn id="1" dur="indefinite" restart="never" nodeType="tmRoot"/>
+      </p:par>
+    </p:tnLst>
+  </p:timing>
 </p:sld>
 </file>
 
@@ -8950,6 +9002,13 @@
   <p:clrMapOvr>
     <a:masterClrMapping/>
   </p:clrMapOvr>
+  <p:timing>
+    <p:tnLst>
+      <p:par>
+        <p:cTn id="1" dur="indefinite" restart="never" nodeType="tmRoot"/>
+      </p:par>
+    </p:tnLst>
+  </p:timing>
 </p:sld>
 </file>
 
@@ -9385,6 +9444,13 @@
   <p:clrMapOvr>
     <a:masterClrMapping/>
   </p:clrMapOvr>
+  <p:timing>
+    <p:tnLst>
+      <p:par>
+        <p:cTn id="1" dur="indefinite" restart="never" nodeType="tmRoot"/>
+      </p:par>
+    </p:tnLst>
+  </p:timing>
 </p:sld>
 </file>
 
@@ -9827,6 +9893,13 @@
   <p:clrMapOvr>
     <a:masterClrMapping/>
   </p:clrMapOvr>
+  <p:timing>
+    <p:tnLst>
+      <p:par>
+        <p:cTn id="1" dur="indefinite" restart="never" nodeType="tmRoot"/>
+      </p:par>
+    </p:tnLst>
+  </p:timing>
 </p:sld>
 </file>
 
@@ -10213,11 +10286,7 @@
             </a:pPr>
             <a:r>
               <a:rPr lang="nl-BE" sz="2800" dirty="0" smtClean="0"/>
-              <a:t>Schema / </a:t>
-            </a:r>
-            <a:r>
-              <a:rPr lang="nl-BE" sz="2800" dirty="0" smtClean="0"/>
-              <a:t>PCB</a:t>
+              <a:t>Schema / PCB</a:t>
             </a:r>
             <a:endParaRPr lang="nl-BE" sz="2800" dirty="0"/>
           </a:p>
@@ -10281,6 +10350,13 @@
   <p:clrMapOvr>
     <a:masterClrMapping/>
   </p:clrMapOvr>
+  <p:timing>
+    <p:tnLst>
+      <p:par>
+        <p:cTn id="1" dur="indefinite" restart="never" nodeType="tmRoot"/>
+      </p:par>
+    </p:tnLst>
+  </p:timing>
 </p:sld>
 </file>
 
@@ -10704,6 +10780,13 @@
   <p:clrMapOvr>
     <a:masterClrMapping/>
   </p:clrMapOvr>
+  <p:timing>
+    <p:tnLst>
+      <p:par>
+        <p:cTn id="1" dur="indefinite" restart="never" nodeType="tmRoot"/>
+      </p:par>
+    </p:tnLst>
+  </p:timing>
 </p:sld>
 </file>
 
@@ -10825,21 +10908,13 @@
           <a:p>
             <a:r>
               <a:rPr lang="nl-BE" u="sng" dirty="0"/>
-              <a:t>E</a:t>
+              <a:t>I</a:t>
             </a:r>
             <a:r>
               <a:rPr lang="nl-BE" sz="2800" u="sng" dirty="0"/>
-              <a:t>igenlijke</a:t>
-            </a:r>
-            <a:r>
-              <a:rPr lang="nl-BE" u="sng" dirty="0"/>
-              <a:t> </a:t>
-            </a:r>
-            <a:r>
-              <a:rPr lang="nl-BE" sz="2800" u="sng" dirty="0"/>
-              <a:t>inhoud</a:t>
-            </a:r>
-            <a:endParaRPr lang="nl-BE" u="sng" dirty="0"/>
+              <a:t>nleiding</a:t>
+            </a:r>
+            <a:endParaRPr lang="nl-BE" sz="2800" u="sng" dirty="0"/>
           </a:p>
         </p:txBody>
       </p:sp>
@@ -11097,9 +11172,10 @@
               <a:buChar char="•"/>
             </a:pPr>
             <a:r>
-              <a:rPr lang="nl-BE" sz="2800" dirty="0"/>
-              <a:t>Doelstelling</a:t>
-            </a:r>
+              <a:rPr lang="nl-BE" sz="2800" dirty="0" smtClean="0"/>
+              <a:t>Reflectie</a:t>
+            </a:r>
+            <a:endParaRPr lang="nl-BE" sz="2800" dirty="0"/>
           </a:p>
         </p:txBody>
       </p:sp>
@@ -11154,6 +11230,13 @@
   <p:clrMapOvr>
     <a:masterClrMapping/>
   </p:clrMapOvr>
+  <p:timing>
+    <p:tnLst>
+      <p:par>
+        <p:cTn id="1" dur="indefinite" restart="never" nodeType="tmRoot"/>
+      </p:par>
+    </p:tnLst>
+  </p:timing>
 </p:sld>
 </file>
 
@@ -11618,6 +11701,13 @@
   <p:clrMapOvr>
     <a:masterClrMapping/>
   </p:clrMapOvr>
+  <p:timing>
+    <p:tnLst>
+      <p:par>
+        <p:cTn id="1" dur="indefinite" restart="never" nodeType="tmRoot"/>
+      </p:par>
+    </p:tnLst>
+  </p:timing>
 </p:sld>
 </file>
 
